--- a/Calendario2025/presentaciones/12_FuncionesOrdenSuperior.pptx
+++ b/Calendario2025/presentaciones/12_FuncionesOrdenSuperior.pptx
@@ -222,7 +222,7 @@
           <a:p>
             <a:fld id="{DDE721D5-655F-45D2-B717-3C4CD78C8568}" type="datetimeFigureOut">
               <a:rPr lang="es-MX" smtClean="0"/>
-              <a:t>24/08/2022</a:t>
+              <a:t>25/02/2025</a:t>
             </a:fld>
             <a:endParaRPr lang="es-MX" dirty="0"/>
           </a:p>
@@ -381,7 +381,7 @@
           <a:p>
             <a:fld id="{6BAB4312-99A1-4CE9-ACE7-4C62E9FD90EE}" type="slidenum">
               <a:rPr lang="es-MX" smtClean="0"/>
-              <a:t>‹Nº›</a:t>
+              <a:t>‹#›</a:t>
             </a:fld>
             <a:endParaRPr lang="es-MX" dirty="0"/>
           </a:p>
@@ -1763,7 +1763,7 @@
           <a:p>
             <a:fld id="{B3F3E716-CACC-4490-AD07-F24B6A68DE47}" type="datetimeFigureOut">
               <a:rPr lang="es-MX" smtClean="0"/>
-              <a:t>24/08/2022</a:t>
+              <a:t>25/02/2025</a:t>
             </a:fld>
             <a:endParaRPr lang="es-MX" dirty="0"/>
           </a:p>
@@ -1805,7 +1805,7 @@
           <a:p>
             <a:fld id="{52A58D3C-5A37-463D-B2C9-8DF65AE0B01C}" type="slidenum">
               <a:rPr lang="es-MX" smtClean="0"/>
-              <a:t>‹Nº›</a:t>
+              <a:t>‹#›</a:t>
             </a:fld>
             <a:endParaRPr lang="es-MX" dirty="0"/>
           </a:p>
@@ -1933,7 +1933,7 @@
           <a:p>
             <a:fld id="{B3F3E716-CACC-4490-AD07-F24B6A68DE47}" type="datetimeFigureOut">
               <a:rPr lang="es-MX" smtClean="0"/>
-              <a:t>24/08/2022</a:t>
+              <a:t>25/02/2025</a:t>
             </a:fld>
             <a:endParaRPr lang="es-MX" dirty="0"/>
           </a:p>
@@ -1975,7 +1975,7 @@
           <a:p>
             <a:fld id="{52A58D3C-5A37-463D-B2C9-8DF65AE0B01C}" type="slidenum">
               <a:rPr lang="es-MX" smtClean="0"/>
-              <a:t>‹Nº›</a:t>
+              <a:t>‹#›</a:t>
             </a:fld>
             <a:endParaRPr lang="es-MX" dirty="0"/>
           </a:p>
@@ -2113,7 +2113,7 @@
           <a:p>
             <a:fld id="{B3F3E716-CACC-4490-AD07-F24B6A68DE47}" type="datetimeFigureOut">
               <a:rPr lang="es-MX" smtClean="0"/>
-              <a:t>24/08/2022</a:t>
+              <a:t>25/02/2025</a:t>
             </a:fld>
             <a:endParaRPr lang="es-MX" dirty="0"/>
           </a:p>
@@ -2155,7 +2155,7 @@
           <a:p>
             <a:fld id="{52A58D3C-5A37-463D-B2C9-8DF65AE0B01C}" type="slidenum">
               <a:rPr lang="es-MX" smtClean="0"/>
-              <a:t>‹Nº›</a:t>
+              <a:t>‹#›</a:t>
             </a:fld>
             <a:endParaRPr lang="es-MX" dirty="0"/>
           </a:p>
@@ -2266,7 +2266,7 @@
           <a:p>
             <a:fld id="{1D8BD707-D9CF-40AE-B4C6-C98DA3205C09}" type="datetimeFigureOut">
               <a:rPr lang="en-US" smtClean="0"/>
-              <a:t>8/24/2022</a:t>
+              <a:t>2/25/2025</a:t>
             </a:fld>
             <a:endParaRPr lang="en-US" dirty="0"/>
           </a:p>
@@ -2296,7 +2296,7 @@
                 <a:cs typeface="Calibri"/>
               </a:rPr>
               <a:pPr marL="25400"/>
-              <a:t>‹Nº›</a:t>
+              <a:t>‹#›</a:t>
             </a:fld>
             <a:endParaRPr lang="es-MX" dirty="0">
               <a:cs typeface="Calibri"/>
@@ -2426,7 +2426,7 @@
           <a:p>
             <a:fld id="{B3F3E716-CACC-4490-AD07-F24B6A68DE47}" type="datetimeFigureOut">
               <a:rPr lang="es-MX" smtClean="0"/>
-              <a:t>24/08/2022</a:t>
+              <a:t>25/02/2025</a:t>
             </a:fld>
             <a:endParaRPr lang="es-MX" dirty="0"/>
           </a:p>
@@ -2468,7 +2468,7 @@
           <a:p>
             <a:fld id="{52A58D3C-5A37-463D-B2C9-8DF65AE0B01C}" type="slidenum">
               <a:rPr lang="es-MX" smtClean="0"/>
-              <a:t>‹Nº›</a:t>
+              <a:t>‹#›</a:t>
             </a:fld>
             <a:endParaRPr lang="es-MX" dirty="0"/>
           </a:p>
@@ -2672,7 +2672,7 @@
           <a:p>
             <a:fld id="{B3F3E716-CACC-4490-AD07-F24B6A68DE47}" type="datetimeFigureOut">
               <a:rPr lang="es-MX" smtClean="0"/>
-              <a:t>24/08/2022</a:t>
+              <a:t>25/02/2025</a:t>
             </a:fld>
             <a:endParaRPr lang="es-MX" dirty="0"/>
           </a:p>
@@ -2714,7 +2714,7 @@
           <a:p>
             <a:fld id="{52A58D3C-5A37-463D-B2C9-8DF65AE0B01C}" type="slidenum">
               <a:rPr lang="es-MX" smtClean="0"/>
-              <a:t>‹Nº›</a:t>
+              <a:t>‹#›</a:t>
             </a:fld>
             <a:endParaRPr lang="es-MX" dirty="0"/>
           </a:p>
@@ -2960,7 +2960,7 @@
           <a:p>
             <a:fld id="{B3F3E716-CACC-4490-AD07-F24B6A68DE47}" type="datetimeFigureOut">
               <a:rPr lang="es-MX" smtClean="0"/>
-              <a:t>24/08/2022</a:t>
+              <a:t>25/02/2025</a:t>
             </a:fld>
             <a:endParaRPr lang="es-MX" dirty="0"/>
           </a:p>
@@ -3002,7 +3002,7 @@
           <a:p>
             <a:fld id="{52A58D3C-5A37-463D-B2C9-8DF65AE0B01C}" type="slidenum">
               <a:rPr lang="es-MX" smtClean="0"/>
-              <a:t>‹Nº›</a:t>
+              <a:t>‹#›</a:t>
             </a:fld>
             <a:endParaRPr lang="es-MX" dirty="0"/>
           </a:p>
@@ -3382,7 +3382,7 @@
           <a:p>
             <a:fld id="{B3F3E716-CACC-4490-AD07-F24B6A68DE47}" type="datetimeFigureOut">
               <a:rPr lang="es-MX" smtClean="0"/>
-              <a:t>24/08/2022</a:t>
+              <a:t>25/02/2025</a:t>
             </a:fld>
             <a:endParaRPr lang="es-MX" dirty="0"/>
           </a:p>
@@ -3424,7 +3424,7 @@
           <a:p>
             <a:fld id="{52A58D3C-5A37-463D-B2C9-8DF65AE0B01C}" type="slidenum">
               <a:rPr lang="es-MX" smtClean="0"/>
-              <a:t>‹Nº›</a:t>
+              <a:t>‹#›</a:t>
             </a:fld>
             <a:endParaRPr lang="es-MX" dirty="0"/>
           </a:p>
@@ -3500,7 +3500,7 @@
           <a:p>
             <a:fld id="{B3F3E716-CACC-4490-AD07-F24B6A68DE47}" type="datetimeFigureOut">
               <a:rPr lang="es-MX" smtClean="0"/>
-              <a:t>24/08/2022</a:t>
+              <a:t>25/02/2025</a:t>
             </a:fld>
             <a:endParaRPr lang="es-MX" dirty="0"/>
           </a:p>
@@ -3542,7 +3542,7 @@
           <a:p>
             <a:fld id="{52A58D3C-5A37-463D-B2C9-8DF65AE0B01C}" type="slidenum">
               <a:rPr lang="es-MX" smtClean="0"/>
-              <a:t>‹Nº›</a:t>
+              <a:t>‹#›</a:t>
             </a:fld>
             <a:endParaRPr lang="es-MX" dirty="0"/>
           </a:p>
@@ -3595,7 +3595,7 @@
           <a:p>
             <a:fld id="{B3F3E716-CACC-4490-AD07-F24B6A68DE47}" type="datetimeFigureOut">
               <a:rPr lang="es-MX" smtClean="0"/>
-              <a:t>24/08/2022</a:t>
+              <a:t>25/02/2025</a:t>
             </a:fld>
             <a:endParaRPr lang="es-MX" dirty="0"/>
           </a:p>
@@ -3637,7 +3637,7 @@
           <a:p>
             <a:fld id="{52A58D3C-5A37-463D-B2C9-8DF65AE0B01C}" type="slidenum">
               <a:rPr lang="es-MX" smtClean="0"/>
-              <a:t>‹Nº›</a:t>
+              <a:t>‹#›</a:t>
             </a:fld>
             <a:endParaRPr lang="es-MX" dirty="0"/>
           </a:p>
@@ -3872,7 +3872,7 @@
           <a:p>
             <a:fld id="{B3F3E716-CACC-4490-AD07-F24B6A68DE47}" type="datetimeFigureOut">
               <a:rPr lang="es-MX" smtClean="0"/>
-              <a:t>24/08/2022</a:t>
+              <a:t>25/02/2025</a:t>
             </a:fld>
             <a:endParaRPr lang="es-MX" dirty="0"/>
           </a:p>
@@ -3914,7 +3914,7 @@
           <a:p>
             <a:fld id="{52A58D3C-5A37-463D-B2C9-8DF65AE0B01C}" type="slidenum">
               <a:rPr lang="es-MX" smtClean="0"/>
-              <a:t>‹Nº›</a:t>
+              <a:t>‹#›</a:t>
             </a:fld>
             <a:endParaRPr lang="es-MX" dirty="0"/>
           </a:p>
@@ -4125,7 +4125,7 @@
           <a:p>
             <a:fld id="{B3F3E716-CACC-4490-AD07-F24B6A68DE47}" type="datetimeFigureOut">
               <a:rPr lang="es-MX" smtClean="0"/>
-              <a:t>24/08/2022</a:t>
+              <a:t>25/02/2025</a:t>
             </a:fld>
             <a:endParaRPr lang="es-MX" dirty="0"/>
           </a:p>
@@ -4167,7 +4167,7 @@
           <a:p>
             <a:fld id="{52A58D3C-5A37-463D-B2C9-8DF65AE0B01C}" type="slidenum">
               <a:rPr lang="es-MX" smtClean="0"/>
-              <a:t>‹Nº›</a:t>
+              <a:t>‹#›</a:t>
             </a:fld>
             <a:endParaRPr lang="es-MX" dirty="0"/>
           </a:p>
@@ -4338,7 +4338,7 @@
           <a:p>
             <a:fld id="{B3F3E716-CACC-4490-AD07-F24B6A68DE47}" type="datetimeFigureOut">
               <a:rPr lang="es-MX" smtClean="0"/>
-              <a:t>24/08/2022</a:t>
+              <a:t>25/02/2025</a:t>
             </a:fld>
             <a:endParaRPr lang="es-MX" dirty="0"/>
           </a:p>
@@ -4416,7 +4416,7 @@
           <a:p>
             <a:fld id="{52A58D3C-5A37-463D-B2C9-8DF65AE0B01C}" type="slidenum">
               <a:rPr lang="es-MX" smtClean="0"/>
-              <a:t>‹Nº›</a:t>
+              <a:t>‹#›</a:t>
             </a:fld>
             <a:endParaRPr lang="es-MX" dirty="0"/>
           </a:p>
@@ -5562,7 +5562,7 @@
                 </a:solidFill>
                 <a:effectLst/>
               </a:rPr>
-              <a:t>Además se puede utilizar la función </a:t>
+              <a:t>Además, se puede utilizar la función </a:t>
             </a:r>
             <a:r>
               <a:rPr lang="es-ES" b="1" i="0" dirty="0" err="1">
@@ -5594,13 +5594,22 @@
               <a:t>más de un objeto iterable </a:t>
             </a:r>
             <a:r>
+              <a:rPr lang="es-MX" b="0" i="0" dirty="0">
+                <a:solidFill>
+                  <a:srgbClr val="3E4349"/>
+                </a:solidFill>
+                <a:effectLst/>
+              </a:rPr>
+              <a:t>con la condición de que</a:t>
+            </a:r>
+            <a:r>
               <a:rPr lang="es-ES" b="0" i="0" dirty="0">
                 <a:solidFill>
                   <a:srgbClr val="3E4349"/>
                 </a:solidFill>
                 <a:effectLst/>
               </a:rPr>
-              <a:t>con la condición que tengan la misma longitud. </a:t>
+              <a:t> tengan la misma longitud. </a:t>
             </a:r>
             <a:endParaRPr lang="es-ES" b="0" i="0" dirty="0">
               <a:solidFill>
@@ -14567,7 +14576,7 @@
                 <a:effectLst/>
                 <a:latin typeface="-apple-system"/>
               </a:rPr>
-              <a:t>creando un objeto nuevo, que contenga todos los elementos de la misma elevados al cubo.</a:t>
+              <a:t>creando un objeto nuevo, que contenga todos los elementos de esta elevados al cubo.</a:t>
             </a:r>
           </a:p>
           <a:p>
@@ -15978,7 +15987,7 @@
                 </a:solidFill>
                 <a:effectLst/>
               </a:rPr>
-              <a:t>Además se puede utilizar la función </a:t>
+              <a:t>Además, se puede utilizar la función </a:t>
             </a:r>
             <a:r>
               <a:rPr lang="es-ES" b="1" i="0" dirty="0" err="1">
@@ -16010,13 +16019,22 @@
               <a:t>más de un objeto iterable </a:t>
             </a:r>
             <a:r>
+              <a:rPr lang="es-MX" b="0" i="0" dirty="0">
+                <a:solidFill>
+                  <a:srgbClr val="3E4349"/>
+                </a:solidFill>
+                <a:effectLst/>
+              </a:rPr>
+              <a:t>con la condición de que</a:t>
+            </a:r>
+            <a:r>
               <a:rPr lang="es-ES" b="0" i="0" dirty="0">
                 <a:solidFill>
                   <a:srgbClr val="3E4349"/>
                 </a:solidFill>
                 <a:effectLst/>
               </a:rPr>
-              <a:t>con la condición que tengan la misma longitud. </a:t>
+              <a:t> tengan la misma longitud. </a:t>
             </a:r>
             <a:endParaRPr lang="es-ES" b="0" i="0" dirty="0">
               <a:solidFill>
